--- a/50EG_Report.pptx
+++ b/50EG_Report.pptx
@@ -5266,7 +5266,7 @@
                       <a:r>
                         <a:rPr lang="en-US" altLang="zh-CN" sz="1200">
                           <a:solidFill>
-                            <a:srgbClr val="FF0000"/>
+                            <a:schemeClr val="tx1"/>
                           </a:solidFill>
                           <a:effectLst/>
                           <a:latin typeface="Times New Roman" panose="02020603050405020304" pitchFamily="18" charset="0"/>
@@ -5275,9 +5275,9 @@
                         </a:rPr>
                         <a:t>50EG</a:t>
                       </a:r>
-                      <a:endParaRPr lang="zh-CN" altLang="en-US" sz="1200" dirty="0">
+                      <a:endParaRPr lang="en-US" altLang="zh-CN" sz="1200" dirty="0">
                         <a:solidFill>
-                          <a:srgbClr val="FF0000"/>
+                          <a:schemeClr val="tx1"/>
                         </a:solidFill>
                         <a:effectLst/>
                         <a:latin typeface="Times New Roman" panose="02020603050405020304" pitchFamily="18" charset="0"/>
@@ -5346,7 +5346,7 @@
                       <a:r>
                         <a:rPr lang="en-US" altLang="zh-CN" sz="1200">
                           <a:solidFill>
-                            <a:srgbClr val="FF0000"/>
+                            <a:schemeClr val="tx1"/>
                           </a:solidFill>
                           <a:latin typeface="Times New Roman" panose="02020603050405020304" pitchFamily="18" charset="0"/>
                           <a:ea typeface="微软雅黑" panose="020B0503020204020204" charset="-122"/>
@@ -5354,9 +5354,9 @@
                         </a:rPr>
                         <a:t>140</a:t>
                       </a:r>
-                      <a:endParaRPr lang="zh-CN" altLang="en-US" sz="1200">
+                      <a:endParaRPr lang="en-US" altLang="zh-CN" sz="1200">
                         <a:solidFill>
-                          <a:srgbClr val="FF0000"/>
+                          <a:schemeClr val="tx1"/>
                         </a:solidFill>
                         <a:latin typeface="Times New Roman" panose="02020603050405020304" pitchFamily="18" charset="0"/>
                         <a:ea typeface="微软雅黑" panose="020B0503020204020204" charset="-122"/>
@@ -5424,7 +5424,7 @@
                       <a:r>
                         <a:rPr lang="en-US" altLang="zh-CN" sz="1200">
                           <a:solidFill>
-                            <a:srgbClr val="FF0000"/>
+                            <a:schemeClr val="tx1"/>
                           </a:solidFill>
                           <a:effectLst/>
                           <a:latin typeface="Times New Roman" panose="02020603050405020304" pitchFamily="18" charset="0"/>
@@ -5435,7 +5435,7 @@
                       </a:r>
                       <a:endParaRPr lang="en-US" altLang="zh-CN" sz="1200" dirty="0">
                         <a:solidFill>
-                          <a:srgbClr val="FF0000"/>
+                          <a:schemeClr val="tx1"/>
                         </a:solidFill>
                         <a:effectLst/>
                         <a:latin typeface="Times New Roman" panose="02020603050405020304" pitchFamily="18" charset="0"/>
@@ -5504,7 +5504,7 @@
                       <a:r>
                         <a:rPr lang="en-US" altLang="zh-CN" sz="1200">
                           <a:solidFill>
-                            <a:srgbClr val="FF0000"/>
+                            <a:schemeClr val="tx1"/>
                           </a:solidFill>
                           <a:effectLst/>
                           <a:latin typeface="Times New Roman" panose="02020603050405020304" pitchFamily="18" charset="0"/>
@@ -5515,7 +5515,7 @@
                       </a:r>
                       <a:endParaRPr lang="en-US" altLang="zh-CN" sz="1200">
                         <a:solidFill>
-                          <a:srgbClr val="FF0000"/>
+                          <a:schemeClr val="tx1"/>
                         </a:solidFill>
                         <a:effectLst/>
                         <a:latin typeface="Times New Roman" panose="02020603050405020304" pitchFamily="18" charset="0"/>
@@ -6061,7 +6061,7 @@
                       <a:r>
                         <a:rPr lang="en-US" altLang="zh-CN" sz="1400">
                           <a:solidFill>
-                            <a:srgbClr val="FF0000"/>
+                            <a:schemeClr val="tx1"/>
                           </a:solidFill>
                           <a:latin typeface="Times New Roman" panose="02020603050405020304" pitchFamily="18" charset="0"/>
                           <a:ea typeface="微软雅黑" panose="020B0503020204020204" charset="-122"/>
@@ -6069,9 +6069,9 @@
                         </a:rPr>
                         <a:t>140</a:t>
                       </a:r>
-                      <a:endParaRPr lang="zh-CN" altLang="en-US" sz="1400">
+                      <a:endParaRPr lang="en-US" altLang="zh-CN" sz="1400">
                         <a:solidFill>
-                          <a:srgbClr val="FF0000"/>
+                          <a:schemeClr val="tx1"/>
                         </a:solidFill>
                         <a:latin typeface="Times New Roman" panose="02020603050405020304" pitchFamily="18" charset="0"/>
                         <a:ea typeface="微软雅黑" panose="020B0503020204020204" charset="-122"/>
@@ -6089,7 +6089,7 @@
                       <a:r>
                         <a:rPr lang="en-US" altLang="zh-CN" sz="1400">
                           <a:solidFill>
-                            <a:srgbClr val="FF0000"/>
+                            <a:schemeClr val="tx1"/>
                           </a:solidFill>
                           <a:latin typeface="Times New Roman" panose="02020603050405020304" pitchFamily="18" charset="0"/>
                           <a:ea typeface="微软雅黑" panose="020B0503020204020204" charset="-122"/>
@@ -6117,7 +6117,7 @@
                       <a:r>
                         <a:rPr lang="en-US" altLang="zh-CN" sz="1400">
                           <a:solidFill>
-                            <a:srgbClr val="FF0000"/>
+                            <a:schemeClr val="tx1"/>
                           </a:solidFill>
                           <a:latin typeface="Times New Roman" panose="02020603050405020304" pitchFamily="18" charset="0"/>
                           <a:ea typeface="微软雅黑" panose="020B0503020204020204" charset="-122"/>
